--- a/Slides/Week 3 & 4 - Dictionary.pptx
+++ b/Slides/Week 3 & 4 - Dictionary.pptx
@@ -12,9 +12,9 @@
     <p:sldId id="288" r:id="rId6"/>
     <p:sldId id="289" r:id="rId7"/>
     <p:sldId id="290" r:id="rId8"/>
-    <p:sldId id="303" r:id="rId9"/>
-    <p:sldId id="291" r:id="rId10"/>
-    <p:sldId id="292" r:id="rId11"/>
+    <p:sldId id="291" r:id="rId9"/>
+    <p:sldId id="292" r:id="rId10"/>
+    <p:sldId id="303" r:id="rId11"/>
     <p:sldId id="293" r:id="rId12"/>
     <p:sldId id="294" r:id="rId13"/>
     <p:sldId id="295" r:id="rId14"/>
@@ -406,7 +406,7 @@
             <a:fld id="{9D21D778-B565-4D7E-94D7-64010A445B68}" type="datetimeFigureOut">
               <a:rPr lang="en-US" smtClean="0"/>
               <a:pPr/>
-              <a:t>2/16/2019</a:t>
+              <a:t>2/17/2019</a:t>
             </a:fld>
             <a:endParaRPr lang="en-US"/>
           </a:p>
@@ -807,7 +807,7 @@
             <a:fld id="{9D21D778-B565-4D7E-94D7-64010A445B68}" type="datetimeFigureOut">
               <a:rPr lang="en-US" smtClean="0"/>
               <a:pPr/>
-              <a:t>2/16/2019</a:t>
+              <a:t>2/17/2019</a:t>
             </a:fld>
             <a:endParaRPr lang="en-US"/>
           </a:p>
@@ -1342,7 +1342,7 @@
             <a:fld id="{9D21D778-B565-4D7E-94D7-64010A445B68}" type="datetimeFigureOut">
               <a:rPr lang="en-US" smtClean="0"/>
               <a:pPr/>
-              <a:t>2/16/2019</a:t>
+              <a:t>2/17/2019</a:t>
             </a:fld>
             <a:endParaRPr lang="en-US"/>
           </a:p>
@@ -1476,7 +1476,7 @@
             <a:fld id="{9D21D778-B565-4D7E-94D7-64010A445B68}" type="datetimeFigureOut">
               <a:rPr lang="en-US" smtClean="0"/>
               <a:pPr/>
-              <a:t>2/16/2019</a:t>
+              <a:t>2/17/2019</a:t>
             </a:fld>
             <a:endParaRPr lang="en-US"/>
           </a:p>
@@ -2021,7 +2021,7 @@
             <a:fld id="{9D21D778-B565-4D7E-94D7-64010A445B68}" type="datetimeFigureOut">
               <a:rPr lang="en-US" smtClean="0"/>
               <a:pPr/>
-              <a:t>2/16/2019</a:t>
+              <a:t>2/17/2019</a:t>
             </a:fld>
             <a:endParaRPr lang="en-US"/>
           </a:p>
@@ -2324,7 +2324,7 @@
             <a:fld id="{9D21D778-B565-4D7E-94D7-64010A445B68}" type="datetimeFigureOut">
               <a:rPr lang="en-US" smtClean="0"/>
               <a:pPr/>
-              <a:t>2/16/2019</a:t>
+              <a:t>2/17/2019</a:t>
             </a:fld>
             <a:endParaRPr lang="en-US"/>
           </a:p>
@@ -2985,7 +2985,7 @@
             <a:fld id="{9D21D778-B565-4D7E-94D7-64010A445B68}" type="datetimeFigureOut">
               <a:rPr lang="en-US" smtClean="0"/>
               <a:pPr/>
-              <a:t>2/16/2019</a:t>
+              <a:t>2/17/2019</a:t>
             </a:fld>
             <a:endParaRPr lang="en-US"/>
           </a:p>
@@ -3424,7 +3424,7 @@
             <a:fld id="{9D21D778-B565-4D7E-94D7-64010A445B68}" type="datetimeFigureOut">
               <a:rPr lang="en-US" smtClean="0"/>
               <a:pPr/>
-              <a:t>2/16/2019</a:t>
+              <a:t>2/17/2019</a:t>
             </a:fld>
             <a:endParaRPr lang="en-US"/>
           </a:p>
@@ -3739,7 +3739,7 @@
             <a:fld id="{9D21D778-B565-4D7E-94D7-64010A445B68}" type="datetimeFigureOut">
               <a:rPr lang="en-US" smtClean="0"/>
               <a:pPr/>
-              <a:t>2/16/2019</a:t>
+              <a:t>2/17/2019</a:t>
             </a:fld>
             <a:endParaRPr lang="en-US"/>
           </a:p>
@@ -4484,7 +4484,7 @@
             <a:fld id="{9D21D778-B565-4D7E-94D7-64010A445B68}" type="datetimeFigureOut">
               <a:rPr lang="en-US" smtClean="0"/>
               <a:pPr/>
-              <a:t>2/16/2019</a:t>
+              <a:t>2/17/2019</a:t>
             </a:fld>
             <a:endParaRPr lang="en-US"/>
           </a:p>
@@ -5150,7 +5150,7 @@
             <a:fld id="{9D21D778-B565-4D7E-94D7-64010A445B68}" type="datetimeFigureOut">
               <a:rPr lang="en-US" smtClean="0"/>
               <a:pPr/>
-              <a:t>2/16/2019</a:t>
+              <a:t>2/17/2019</a:t>
             </a:fld>
             <a:endParaRPr lang="en-US" dirty="0"/>
           </a:p>
@@ -5425,7 +5425,7 @@
             <a:fld id="{9D21D778-B565-4D7E-94D7-64010A445B68}" type="datetimeFigureOut">
               <a:rPr lang="en-US" smtClean="0"/>
               <a:pPr algn="r" eaLnBrk="1" latinLnBrk="0" hangingPunct="1"/>
-              <a:t>2/16/2019</a:t>
+              <a:t>2/17/2019</a:t>
             </a:fld>
             <a:endParaRPr lang="en-US" sz="1400" dirty="0">
               <a:solidFill>
@@ -6312,76 +6312,51 @@
       </p:grpSpPr>
       <p:sp>
         <p:nvSpPr>
-          <p:cNvPr id="2" name="Title 1"/>
-          <p:cNvSpPr>
-            <a:spLocks noGrp="1"/>
-          </p:cNvSpPr>
-          <p:nvPr>
-            <p:ph type="title"/>
-          </p:nvPr>
-        </p:nvSpPr>
-        <p:spPr/>
-        <p:txBody>
-          <a:bodyPr/>
-          <a:lstStyle/>
-          <a:p>
-            <a:r>
-              <a:rPr lang="km-KH" dirty="0" smtClean="0"/>
-              <a:t>ប្រើ </a:t>
-            </a:r>
-            <a:r>
-              <a:rPr lang="en-US" dirty="0" smtClean="0"/>
-              <a:t>Set </a:t>
-            </a:r>
-            <a:r>
-              <a:rPr lang="km-KH" dirty="0" smtClean="0"/>
-              <a:t>ដើម្បីបំបាត់ </a:t>
-            </a:r>
-            <a:r>
-              <a:rPr lang="en-US" dirty="0" smtClean="0"/>
-              <a:t>items </a:t>
-            </a:r>
-            <a:r>
-              <a:rPr lang="km-KH" dirty="0" smtClean="0"/>
-              <a:t>ស្ទួន</a:t>
-            </a:r>
-            <a:endParaRPr lang="en-US" dirty="0"/>
-          </a:p>
-        </p:txBody>
-      </p:sp>
-      <p:pic>
-        <p:nvPicPr>
-          <p:cNvPr id="6146" name="Picture 2"/>
-          <p:cNvPicPr>
-            <a:picLocks noChangeAspect="1" noChangeArrowheads="1"/>
-          </p:cNvPicPr>
+          <p:cNvPr id="7" name="TextBox 6"/>
+          <p:cNvSpPr txBox="1"/>
           <p:nvPr/>
-        </p:nvPicPr>
-        <p:blipFill>
-          <a:blip r:embed="rId2"/>
-          <a:srcRect/>
-          <a:stretch>
-            <a:fillRect/>
-          </a:stretch>
-        </p:blipFill>
-        <p:spPr bwMode="auto">
-          <a:xfrm>
-            <a:off x="1419225" y="1676400"/>
-            <a:ext cx="6305550" cy="4295775"/>
+        </p:nvSpPr>
+        <p:spPr>
+          <a:xfrm>
+            <a:off x="990600" y="2514600"/>
+            <a:ext cx="7315200" cy="1200329"/>
           </a:xfrm>
           <a:prstGeom prst="rect">
             <a:avLst/>
           </a:prstGeom>
           <a:noFill/>
-          <a:ln w="9525">
-            <a:noFill/>
-            <a:miter lim="800000"/>
-            <a:headEnd/>
-            <a:tailEnd/>
-          </a:ln>
-          <a:effectLst/>
-        </p:spPr>
-      </p:pic>
+        </p:spPr>
+        <p:txBody>
+          <a:bodyPr wrap="square" rtlCol="0">
+            <a:spAutoFit/>
+          </a:bodyPr>
+          <a:lstStyle/>
+          <a:p>
+            <a:pPr algn="ctr"/>
+            <a:r>
+              <a:rPr lang="en-US" sz="3600" dirty="0" smtClean="0">
+                <a:solidFill>
+                  <a:schemeClr val="bg2">
+                    <a:lumMod val="50000"/>
+                  </a:schemeClr>
+                </a:solidFill>
+                <a:latin typeface="Khmer OS Siemreap" pitchFamily="2" charset="0"/>
+                <a:cs typeface="Khmer OS Siemreap" pitchFamily="2" charset="0"/>
+              </a:rPr>
+              <a:t>Create your own program to store Contacts</a:t>
+            </a:r>
+            <a:endParaRPr lang="en-US" sz="3600" dirty="0">
+              <a:solidFill>
+                <a:schemeClr val="bg2">
+                  <a:lumMod val="50000"/>
+                </a:schemeClr>
+              </a:solidFill>
+              <a:latin typeface="Khmer OS Siemreap" pitchFamily="2" charset="0"/>
+              <a:cs typeface="Khmer OS Siemreap" pitchFamily="2" charset="0"/>
+            </a:endParaRPr>
+          </a:p>
+        </p:txBody>
+      </p:sp>
     </p:spTree>
   </p:cSld>
   <p:clrMapOvr>
@@ -7216,8 +7191,8 @@
         </p:blipFill>
         <p:spPr bwMode="auto">
           <a:xfrm>
-            <a:off x="1981200" y="2190749"/>
-            <a:ext cx="5181600" cy="4352985"/>
+            <a:off x="929098" y="161500"/>
+            <a:ext cx="7529102" cy="6325086"/>
           </a:xfrm>
           <a:prstGeom prst="rect">
             <a:avLst/>
@@ -9090,51 +9065,60 @@
       </p:grpSpPr>
       <p:sp>
         <p:nvSpPr>
-          <p:cNvPr id="7" name="TextBox 6"/>
-          <p:cNvSpPr txBox="1"/>
+          <p:cNvPr id="2" name="Title 1"/>
+          <p:cNvSpPr>
+            <a:spLocks noGrp="1"/>
+          </p:cNvSpPr>
+          <p:nvPr>
+            <p:ph type="title"/>
+          </p:nvPr>
+        </p:nvSpPr>
+        <p:spPr/>
+        <p:txBody>
+          <a:bodyPr/>
+          <a:lstStyle/>
+          <a:p>
+            <a:r>
+              <a:rPr lang="km-KH" dirty="0" smtClean="0"/>
+              <a:t>សាកល្បងកូដ</a:t>
+            </a:r>
+            <a:endParaRPr lang="en-US" dirty="0"/>
+          </a:p>
+        </p:txBody>
+      </p:sp>
+      <p:pic>
+        <p:nvPicPr>
+          <p:cNvPr id="5122" name="Picture 2"/>
+          <p:cNvPicPr>
+            <a:picLocks noChangeAspect="1" noChangeArrowheads="1"/>
+          </p:cNvPicPr>
           <p:nvPr/>
-        </p:nvSpPr>
-        <p:spPr>
-          <a:xfrm>
-            <a:off x="990600" y="2514600"/>
-            <a:ext cx="7315200" cy="1200329"/>
+        </p:nvPicPr>
+        <p:blipFill>
+          <a:blip r:embed="rId2"/>
+          <a:srcRect/>
+          <a:stretch>
+            <a:fillRect/>
+          </a:stretch>
+        </p:blipFill>
+        <p:spPr bwMode="auto">
+          <a:xfrm>
+            <a:off x="1428750" y="1747838"/>
+            <a:ext cx="6286500" cy="3362325"/>
           </a:xfrm>
           <a:prstGeom prst="rect">
             <a:avLst/>
           </a:prstGeom>
           <a:noFill/>
-        </p:spPr>
-        <p:txBody>
-          <a:bodyPr wrap="square" rtlCol="0">
-            <a:spAutoFit/>
-          </a:bodyPr>
-          <a:lstStyle/>
-          <a:p>
-            <a:pPr algn="ctr"/>
-            <a:r>
-              <a:rPr lang="en-US" sz="3600" dirty="0" smtClean="0">
-                <a:solidFill>
-                  <a:schemeClr val="bg2">
-                    <a:lumMod val="50000"/>
-                  </a:schemeClr>
-                </a:solidFill>
-                <a:latin typeface="Khmer OS Siemreap" pitchFamily="2" charset="0"/>
-                <a:cs typeface="Khmer OS Siemreap" pitchFamily="2" charset="0"/>
-              </a:rPr>
-              <a:t>Create your own program to store Contacts</a:t>
-            </a:r>
-            <a:endParaRPr lang="en-US" sz="3600" dirty="0">
-              <a:solidFill>
-                <a:schemeClr val="bg2">
-                  <a:lumMod val="50000"/>
-                </a:schemeClr>
-              </a:solidFill>
-              <a:latin typeface="Khmer OS Siemreap" pitchFamily="2" charset="0"/>
-              <a:cs typeface="Khmer OS Siemreap" pitchFamily="2" charset="0"/>
-            </a:endParaRPr>
-          </a:p>
-        </p:txBody>
-      </p:sp>
+          <a:ln w="9525">
+            <a:noFill/>
+            <a:miter lim="800000"/>
+            <a:headEnd/>
+            <a:tailEnd/>
+          </a:ln>
+          <a:effectLst/>
+        </p:spPr>
+      </p:pic>
     </p:spTree>
   </p:cSld>
   <p:clrMapOvr>
@@ -9184,7 +9168,23 @@
           <a:p>
             <a:r>
               <a:rPr lang="km-KH" dirty="0" smtClean="0"/>
-              <a:t>សាកល្បងកូដ</a:t>
+              <a:t>ប្រើ </a:t>
+            </a:r>
+            <a:r>
+              <a:rPr lang="en-US" dirty="0" smtClean="0"/>
+              <a:t>Set </a:t>
+            </a:r>
+            <a:r>
+              <a:rPr lang="km-KH" dirty="0" smtClean="0"/>
+              <a:t>ដើម្បីបំបាត់ </a:t>
+            </a:r>
+            <a:r>
+              <a:rPr lang="en-US" dirty="0" smtClean="0"/>
+              <a:t>items </a:t>
+            </a:r>
+            <a:r>
+              <a:rPr lang="km-KH" dirty="0" smtClean="0"/>
+              <a:t>ស្ទួន</a:t>
             </a:r>
             <a:endParaRPr lang="en-US" dirty="0"/>
           </a:p>
@@ -9192,7 +9192,7 @@
       </p:sp>
       <p:pic>
         <p:nvPicPr>
-          <p:cNvPr id="5122" name="Picture 2"/>
+          <p:cNvPr id="6146" name="Picture 2"/>
           <p:cNvPicPr>
             <a:picLocks noChangeAspect="1" noChangeArrowheads="1"/>
           </p:cNvPicPr>
@@ -9207,8 +9207,8 @@
         </p:blipFill>
         <p:spPr bwMode="auto">
           <a:xfrm>
-            <a:off x="1428750" y="1747838"/>
-            <a:ext cx="6286500" cy="3362325"/>
+            <a:off x="1419225" y="1676400"/>
+            <a:ext cx="6305550" cy="4295775"/>
           </a:xfrm>
           <a:prstGeom prst="rect">
             <a:avLst/>
